--- a/MongoDB - Glovo/powerPoint.pptx
+++ b/MongoDB - Glovo/powerPoint.pptx
@@ -4,6 +4,9 @@
   <p:sldMasterIdLst>
     <p:sldMasterId id="2147483712" r:id="rId1"/>
   </p:sldMasterIdLst>
+  <p:notesMasterIdLst>
+    <p:notesMasterId r:id="rId13"/>
+  </p:notesMasterIdLst>
   <p:sldIdLst>
     <p:sldId id="256" r:id="rId2"/>
     <p:sldId id="257" r:id="rId3"/>
@@ -122,6 +125,440 @@
 </p:presentation>
 </file>
 
+<file path=ppt/notesMasters/notesMaster1.xml><?xml version="1.0" encoding="utf-8"?>
+<p:notesMaster xmlns:a="http://schemas.openxmlformats.org/drawingml/2006/main" xmlns:r="http://schemas.openxmlformats.org/officeDocument/2006/relationships" xmlns:p="http://schemas.openxmlformats.org/presentationml/2006/main">
+  <p:cSld>
+    <p:bg>
+      <p:bgRef idx="1001">
+        <a:schemeClr val="bg1"/>
+      </p:bgRef>
+    </p:bg>
+    <p:spTree>
+      <p:nvGrpSpPr>
+        <p:cNvPr id="1" name=""/>
+        <p:cNvGrpSpPr/>
+        <p:nvPr/>
+      </p:nvGrpSpPr>
+      <p:grpSpPr>
+        <a:xfrm>
+          <a:off x="0" y="0"/>
+          <a:ext cx="0" cy="0"/>
+          <a:chOff x="0" y="0"/>
+          <a:chExt cx="0" cy="0"/>
+        </a:xfrm>
+      </p:grpSpPr>
+      <p:sp>
+        <p:nvSpPr>
+          <p:cNvPr id="2" name="Marcador de encabezado 1"/>
+          <p:cNvSpPr>
+            <a:spLocks noGrp="1"/>
+          </p:cNvSpPr>
+          <p:nvPr>
+            <p:ph type="hdr" sz="quarter"/>
+          </p:nvPr>
+        </p:nvSpPr>
+        <p:spPr>
+          <a:xfrm>
+            <a:off x="0" y="0"/>
+            <a:ext cx="2971800" cy="458788"/>
+          </a:xfrm>
+          <a:prstGeom prst="rect">
+            <a:avLst/>
+          </a:prstGeom>
+        </p:spPr>
+        <p:txBody>
+          <a:bodyPr vert="horz" lIns="91440" tIns="45720" rIns="91440" bIns="45720" rtlCol="0"/>
+          <a:lstStyle>
+            <a:lvl1pPr algn="l">
+              <a:defRPr sz="1200"/>
+            </a:lvl1pPr>
+          </a:lstStyle>
+          <a:p>
+            <a:endParaRPr lang="es-AR"/>
+          </a:p>
+        </p:txBody>
+      </p:sp>
+      <p:sp>
+        <p:nvSpPr>
+          <p:cNvPr id="3" name="Marcador de fecha 2"/>
+          <p:cNvSpPr>
+            <a:spLocks noGrp="1"/>
+          </p:cNvSpPr>
+          <p:nvPr>
+            <p:ph type="dt" idx="1"/>
+          </p:nvPr>
+        </p:nvSpPr>
+        <p:spPr>
+          <a:xfrm>
+            <a:off x="3884613" y="0"/>
+            <a:ext cx="2971800" cy="458788"/>
+          </a:xfrm>
+          <a:prstGeom prst="rect">
+            <a:avLst/>
+          </a:prstGeom>
+        </p:spPr>
+        <p:txBody>
+          <a:bodyPr vert="horz" lIns="91440" tIns="45720" rIns="91440" bIns="45720" rtlCol="0"/>
+          <a:lstStyle>
+            <a:lvl1pPr algn="r">
+              <a:defRPr sz="1200"/>
+            </a:lvl1pPr>
+          </a:lstStyle>
+          <a:p>
+            <a:fld id="{F4AB49A9-F2E5-492F-8261-9D78553C22D3}" type="datetimeFigureOut">
+              <a:rPr lang="es-AR" smtClean="0"/>
+              <a:t>14/10/2021</a:t>
+            </a:fld>
+            <a:endParaRPr lang="es-AR"/>
+          </a:p>
+        </p:txBody>
+      </p:sp>
+      <p:sp>
+        <p:nvSpPr>
+          <p:cNvPr id="4" name="Marcador de imagen de diapositiva 3"/>
+          <p:cNvSpPr>
+            <a:spLocks noGrp="1" noRot="1" noChangeAspect="1"/>
+          </p:cNvSpPr>
+          <p:nvPr>
+            <p:ph type="sldImg" idx="2"/>
+          </p:nvPr>
+        </p:nvSpPr>
+        <p:spPr>
+          <a:xfrm>
+            <a:off x="685800" y="1143000"/>
+            <a:ext cx="5486400" cy="3086100"/>
+          </a:xfrm>
+          <a:prstGeom prst="rect">
+            <a:avLst/>
+          </a:prstGeom>
+          <a:noFill/>
+          <a:ln w="12700">
+            <a:solidFill>
+              <a:prstClr val="black"/>
+            </a:solidFill>
+          </a:ln>
+        </p:spPr>
+        <p:txBody>
+          <a:bodyPr vert="horz" lIns="91440" tIns="45720" rIns="91440" bIns="45720" rtlCol="0" anchor="ctr"/>
+          <a:lstStyle/>
+          <a:p>
+            <a:endParaRPr lang="es-AR"/>
+          </a:p>
+        </p:txBody>
+      </p:sp>
+      <p:sp>
+        <p:nvSpPr>
+          <p:cNvPr id="5" name="Marcador de notas 4"/>
+          <p:cNvSpPr>
+            <a:spLocks noGrp="1"/>
+          </p:cNvSpPr>
+          <p:nvPr>
+            <p:ph type="body" sz="quarter" idx="3"/>
+          </p:nvPr>
+        </p:nvSpPr>
+        <p:spPr>
+          <a:xfrm>
+            <a:off x="685800" y="4400550"/>
+            <a:ext cx="5486400" cy="3600450"/>
+          </a:xfrm>
+          <a:prstGeom prst="rect">
+            <a:avLst/>
+          </a:prstGeom>
+        </p:spPr>
+        <p:txBody>
+          <a:bodyPr vert="horz" lIns="91440" tIns="45720" rIns="91440" bIns="45720" rtlCol="0"/>
+          <a:lstStyle/>
+          <a:p>
+            <a:pPr lvl="0"/>
+            <a:r>
+              <a:rPr lang="es-ES" smtClean="0"/>
+              <a:t>Haga clic para modificar el estilo de texto del patrón</a:t>
+            </a:r>
+          </a:p>
+          <a:p>
+            <a:pPr lvl="1"/>
+            <a:r>
+              <a:rPr lang="es-ES" smtClean="0"/>
+              <a:t>Segundo nivel</a:t>
+            </a:r>
+          </a:p>
+          <a:p>
+            <a:pPr lvl="2"/>
+            <a:r>
+              <a:rPr lang="es-ES" smtClean="0"/>
+              <a:t>Tercer nivel</a:t>
+            </a:r>
+          </a:p>
+          <a:p>
+            <a:pPr lvl="3"/>
+            <a:r>
+              <a:rPr lang="es-ES" smtClean="0"/>
+              <a:t>Cuarto nivel</a:t>
+            </a:r>
+          </a:p>
+          <a:p>
+            <a:pPr lvl="4"/>
+            <a:r>
+              <a:rPr lang="es-ES" smtClean="0"/>
+              <a:t>Quinto nivel</a:t>
+            </a:r>
+            <a:endParaRPr lang="es-AR"/>
+          </a:p>
+        </p:txBody>
+      </p:sp>
+      <p:sp>
+        <p:nvSpPr>
+          <p:cNvPr id="6" name="Marcador de pie de página 5"/>
+          <p:cNvSpPr>
+            <a:spLocks noGrp="1"/>
+          </p:cNvSpPr>
+          <p:nvPr>
+            <p:ph type="ftr" sz="quarter" idx="4"/>
+          </p:nvPr>
+        </p:nvSpPr>
+        <p:spPr>
+          <a:xfrm>
+            <a:off x="0" y="8685213"/>
+            <a:ext cx="2971800" cy="458787"/>
+          </a:xfrm>
+          <a:prstGeom prst="rect">
+            <a:avLst/>
+          </a:prstGeom>
+        </p:spPr>
+        <p:txBody>
+          <a:bodyPr vert="horz" lIns="91440" tIns="45720" rIns="91440" bIns="45720" rtlCol="0" anchor="b"/>
+          <a:lstStyle>
+            <a:lvl1pPr algn="l">
+              <a:defRPr sz="1200"/>
+            </a:lvl1pPr>
+          </a:lstStyle>
+          <a:p>
+            <a:endParaRPr lang="es-AR"/>
+          </a:p>
+        </p:txBody>
+      </p:sp>
+      <p:sp>
+        <p:nvSpPr>
+          <p:cNvPr id="7" name="Marcador de número de diapositiva 6"/>
+          <p:cNvSpPr>
+            <a:spLocks noGrp="1"/>
+          </p:cNvSpPr>
+          <p:nvPr>
+            <p:ph type="sldNum" sz="quarter" idx="5"/>
+          </p:nvPr>
+        </p:nvSpPr>
+        <p:spPr>
+          <a:xfrm>
+            <a:off x="3884613" y="8685213"/>
+            <a:ext cx="2971800" cy="458787"/>
+          </a:xfrm>
+          <a:prstGeom prst="rect">
+            <a:avLst/>
+          </a:prstGeom>
+        </p:spPr>
+        <p:txBody>
+          <a:bodyPr vert="horz" lIns="91440" tIns="45720" rIns="91440" bIns="45720" rtlCol="0" anchor="b"/>
+          <a:lstStyle>
+            <a:lvl1pPr algn="r">
+              <a:defRPr sz="1200"/>
+            </a:lvl1pPr>
+          </a:lstStyle>
+          <a:p>
+            <a:fld id="{C8594FCA-3E96-4577-B51E-9F3926067C9F}" type="slidenum">
+              <a:rPr lang="es-AR" smtClean="0"/>
+              <a:t>‹Nº›</a:t>
+            </a:fld>
+            <a:endParaRPr lang="es-AR"/>
+          </a:p>
+        </p:txBody>
+      </p:sp>
+    </p:spTree>
+    <p:extLst>
+      <p:ext uri="{BB962C8B-B14F-4D97-AF65-F5344CB8AC3E}">
+        <p14:creationId xmlns:p14="http://schemas.microsoft.com/office/powerpoint/2010/main" val="320659554"/>
+      </p:ext>
+    </p:extLst>
+  </p:cSld>
+  <p:clrMap bg1="lt1" tx1="dk1" bg2="lt2" tx2="dk2" accent1="accent1" accent2="accent2" accent3="accent3" accent4="accent4" accent5="accent5" accent6="accent6" hlink="hlink" folHlink="folHlink"/>
+  <p:notesStyle>
+    <a:lvl1pPr marL="0" algn="l" defTabSz="914400" rtl="0" eaLnBrk="1" latinLnBrk="0" hangingPunct="1">
+      <a:defRPr sz="1200" kern="1200">
+        <a:solidFill>
+          <a:schemeClr val="tx1"/>
+        </a:solidFill>
+        <a:latin typeface="+mn-lt"/>
+        <a:ea typeface="+mn-ea"/>
+        <a:cs typeface="+mn-cs"/>
+      </a:defRPr>
+    </a:lvl1pPr>
+    <a:lvl2pPr marL="457200" algn="l" defTabSz="914400" rtl="0" eaLnBrk="1" latinLnBrk="0" hangingPunct="1">
+      <a:defRPr sz="1200" kern="1200">
+        <a:solidFill>
+          <a:schemeClr val="tx1"/>
+        </a:solidFill>
+        <a:latin typeface="+mn-lt"/>
+        <a:ea typeface="+mn-ea"/>
+        <a:cs typeface="+mn-cs"/>
+      </a:defRPr>
+    </a:lvl2pPr>
+    <a:lvl3pPr marL="914400" algn="l" defTabSz="914400" rtl="0" eaLnBrk="1" latinLnBrk="0" hangingPunct="1">
+      <a:defRPr sz="1200" kern="1200">
+        <a:solidFill>
+          <a:schemeClr val="tx1"/>
+        </a:solidFill>
+        <a:latin typeface="+mn-lt"/>
+        <a:ea typeface="+mn-ea"/>
+        <a:cs typeface="+mn-cs"/>
+      </a:defRPr>
+    </a:lvl3pPr>
+    <a:lvl4pPr marL="1371600" algn="l" defTabSz="914400" rtl="0" eaLnBrk="1" latinLnBrk="0" hangingPunct="1">
+      <a:defRPr sz="1200" kern="1200">
+        <a:solidFill>
+          <a:schemeClr val="tx1"/>
+        </a:solidFill>
+        <a:latin typeface="+mn-lt"/>
+        <a:ea typeface="+mn-ea"/>
+        <a:cs typeface="+mn-cs"/>
+      </a:defRPr>
+    </a:lvl4pPr>
+    <a:lvl5pPr marL="1828800" algn="l" defTabSz="914400" rtl="0" eaLnBrk="1" latinLnBrk="0" hangingPunct="1">
+      <a:defRPr sz="1200" kern="1200">
+        <a:solidFill>
+          <a:schemeClr val="tx1"/>
+        </a:solidFill>
+        <a:latin typeface="+mn-lt"/>
+        <a:ea typeface="+mn-ea"/>
+        <a:cs typeface="+mn-cs"/>
+      </a:defRPr>
+    </a:lvl5pPr>
+    <a:lvl6pPr marL="2286000" algn="l" defTabSz="914400" rtl="0" eaLnBrk="1" latinLnBrk="0" hangingPunct="1">
+      <a:defRPr sz="1200" kern="1200">
+        <a:solidFill>
+          <a:schemeClr val="tx1"/>
+        </a:solidFill>
+        <a:latin typeface="+mn-lt"/>
+        <a:ea typeface="+mn-ea"/>
+        <a:cs typeface="+mn-cs"/>
+      </a:defRPr>
+    </a:lvl6pPr>
+    <a:lvl7pPr marL="2743200" algn="l" defTabSz="914400" rtl="0" eaLnBrk="1" latinLnBrk="0" hangingPunct="1">
+      <a:defRPr sz="1200" kern="1200">
+        <a:solidFill>
+          <a:schemeClr val="tx1"/>
+        </a:solidFill>
+        <a:latin typeface="+mn-lt"/>
+        <a:ea typeface="+mn-ea"/>
+        <a:cs typeface="+mn-cs"/>
+      </a:defRPr>
+    </a:lvl7pPr>
+    <a:lvl8pPr marL="3200400" algn="l" defTabSz="914400" rtl="0" eaLnBrk="1" latinLnBrk="0" hangingPunct="1">
+      <a:defRPr sz="1200" kern="1200">
+        <a:solidFill>
+          <a:schemeClr val="tx1"/>
+        </a:solidFill>
+        <a:latin typeface="+mn-lt"/>
+        <a:ea typeface="+mn-ea"/>
+        <a:cs typeface="+mn-cs"/>
+      </a:defRPr>
+    </a:lvl8pPr>
+    <a:lvl9pPr marL="3657600" algn="l" defTabSz="914400" rtl="0" eaLnBrk="1" latinLnBrk="0" hangingPunct="1">
+      <a:defRPr sz="1200" kern="1200">
+        <a:solidFill>
+          <a:schemeClr val="tx1"/>
+        </a:solidFill>
+        <a:latin typeface="+mn-lt"/>
+        <a:ea typeface="+mn-ea"/>
+        <a:cs typeface="+mn-cs"/>
+      </a:defRPr>
+    </a:lvl9pPr>
+  </p:notesStyle>
+</p:notesMaster>
+</file>
+
+<file path=ppt/notesSlides/notesSlide1.xml><?xml version="1.0" encoding="utf-8"?>
+<p:notes xmlns:a="http://schemas.openxmlformats.org/drawingml/2006/main" xmlns:r="http://schemas.openxmlformats.org/officeDocument/2006/relationships" xmlns:p="http://schemas.openxmlformats.org/presentationml/2006/main">
+  <p:cSld>
+    <p:spTree>
+      <p:nvGrpSpPr>
+        <p:cNvPr id="1" name=""/>
+        <p:cNvGrpSpPr/>
+        <p:nvPr/>
+      </p:nvGrpSpPr>
+      <p:grpSpPr>
+        <a:xfrm>
+          <a:off x="0" y="0"/>
+          <a:ext cx="0" cy="0"/>
+          <a:chOff x="0" y="0"/>
+          <a:chExt cx="0" cy="0"/>
+        </a:xfrm>
+      </p:grpSpPr>
+      <p:sp>
+        <p:nvSpPr>
+          <p:cNvPr id="2" name="Marcador de imagen de diapositiva 1"/>
+          <p:cNvSpPr>
+            <a:spLocks noGrp="1" noRot="1" noChangeAspect="1"/>
+          </p:cNvSpPr>
+          <p:nvPr>
+            <p:ph type="sldImg"/>
+          </p:nvPr>
+        </p:nvSpPr>
+        <p:spPr/>
+      </p:sp>
+      <p:sp>
+        <p:nvSpPr>
+          <p:cNvPr id="3" name="Marcador de notas 2"/>
+          <p:cNvSpPr>
+            <a:spLocks noGrp="1"/>
+          </p:cNvSpPr>
+          <p:nvPr>
+            <p:ph type="body" idx="1"/>
+          </p:nvPr>
+        </p:nvSpPr>
+        <p:spPr/>
+        <p:txBody>
+          <a:bodyPr/>
+          <a:lstStyle/>
+          <a:p>
+            <a:endParaRPr lang="es-AR" dirty="0"/>
+          </a:p>
+        </p:txBody>
+      </p:sp>
+      <p:sp>
+        <p:nvSpPr>
+          <p:cNvPr id="4" name="Marcador de número de diapositiva 3"/>
+          <p:cNvSpPr>
+            <a:spLocks noGrp="1"/>
+          </p:cNvSpPr>
+          <p:nvPr>
+            <p:ph type="sldNum" sz="quarter" idx="10"/>
+          </p:nvPr>
+        </p:nvSpPr>
+        <p:spPr/>
+        <p:txBody>
+          <a:bodyPr/>
+          <a:lstStyle/>
+          <a:p>
+            <a:fld id="{C8594FCA-3E96-4577-B51E-9F3926067C9F}" type="slidenum">
+              <a:rPr lang="es-AR" smtClean="0"/>
+              <a:t>10</a:t>
+            </a:fld>
+            <a:endParaRPr lang="es-AR"/>
+          </a:p>
+        </p:txBody>
+      </p:sp>
+    </p:spTree>
+    <p:extLst>
+      <p:ext uri="{BB962C8B-B14F-4D97-AF65-F5344CB8AC3E}">
+        <p14:creationId xmlns:p14="http://schemas.microsoft.com/office/powerpoint/2010/main" val="3265693390"/>
+      </p:ext>
+    </p:extLst>
+  </p:cSld>
+  <p:clrMapOvr>
+    <a:masterClrMapping/>
+  </p:clrMapOvr>
+</p:notes>
+</file>
+
 <file path=ppt/slideLayouts/slideLayout1.xml><?xml version="1.0" encoding="utf-8"?>
 <p:sldLayout xmlns:a="http://schemas.openxmlformats.org/drawingml/2006/main" xmlns:r="http://schemas.openxmlformats.org/officeDocument/2006/relationships" xmlns:p="http://schemas.openxmlformats.org/presentationml/2006/main" showMasterSp="0" type="title" preserve="1">
   <p:cSld name="Diapositiva de título">
@@ -348,7 +785,7 @@
           <a:p>
             <a:fld id="{679441A9-2F90-44AC-B781-BB94263E0D35}" type="datetimeFigureOut">
               <a:rPr lang="es-AR" smtClean="0"/>
-              <a:t>13/10/2021</a:t>
+              <a:t>14/10/2021</a:t>
             </a:fld>
             <a:endParaRPr lang="es-AR"/>
           </a:p>
@@ -556,7 +993,7 @@
           <a:p>
             <a:fld id="{679441A9-2F90-44AC-B781-BB94263E0D35}" type="datetimeFigureOut">
               <a:rPr lang="es-AR" smtClean="0"/>
-              <a:t>13/10/2021</a:t>
+              <a:t>14/10/2021</a:t>
             </a:fld>
             <a:endParaRPr lang="es-AR"/>
           </a:p>
@@ -812,7 +1249,7 @@
           <a:p>
             <a:fld id="{679441A9-2F90-44AC-B781-BB94263E0D35}" type="datetimeFigureOut">
               <a:rPr lang="es-AR" smtClean="0"/>
-              <a:t>13/10/2021</a:t>
+              <a:t>14/10/2021</a:t>
             </a:fld>
             <a:endParaRPr lang="es-AR"/>
           </a:p>
@@ -986,7 +1423,7 @@
           <a:p>
             <a:fld id="{679441A9-2F90-44AC-B781-BB94263E0D35}" type="datetimeFigureOut">
               <a:rPr lang="es-AR" smtClean="0"/>
-              <a:t>13/10/2021</a:t>
+              <a:t>14/10/2021</a:t>
             </a:fld>
             <a:endParaRPr lang="es-AR"/>
           </a:p>
@@ -1329,7 +1766,7 @@
           <a:p>
             <a:fld id="{679441A9-2F90-44AC-B781-BB94263E0D35}" type="datetimeFigureOut">
               <a:rPr lang="es-AR" smtClean="0"/>
-              <a:t>13/10/2021</a:t>
+              <a:t>14/10/2021</a:t>
             </a:fld>
             <a:endParaRPr lang="es-AR"/>
           </a:p>
@@ -1604,7 +2041,7 @@
           <a:p>
             <a:fld id="{679441A9-2F90-44AC-B781-BB94263E0D35}" type="datetimeFigureOut">
               <a:rPr lang="es-AR" smtClean="0"/>
-              <a:t>13/10/2021</a:t>
+              <a:t>14/10/2021</a:t>
             </a:fld>
             <a:endParaRPr lang="es-AR"/>
           </a:p>
@@ -1983,7 +2420,7 @@
           <a:p>
             <a:fld id="{679441A9-2F90-44AC-B781-BB94263E0D35}" type="datetimeFigureOut">
               <a:rPr lang="es-AR" smtClean="0"/>
-              <a:t>13/10/2021</a:t>
+              <a:t>14/10/2021</a:t>
             </a:fld>
             <a:endParaRPr lang="es-AR"/>
           </a:p>
@@ -2101,7 +2538,7 @@
           <a:p>
             <a:fld id="{679441A9-2F90-44AC-B781-BB94263E0D35}" type="datetimeFigureOut">
               <a:rPr lang="es-AR" smtClean="0"/>
-              <a:t>13/10/2021</a:t>
+              <a:t>14/10/2021</a:t>
             </a:fld>
             <a:endParaRPr lang="es-AR"/>
           </a:p>
@@ -2272,7 +2709,7 @@
           <a:p>
             <a:fld id="{679441A9-2F90-44AC-B781-BB94263E0D35}" type="datetimeFigureOut">
               <a:rPr lang="es-AR" smtClean="0"/>
-              <a:t>13/10/2021</a:t>
+              <a:t>14/10/2021</a:t>
             </a:fld>
             <a:endParaRPr lang="es-AR"/>
           </a:p>
@@ -2626,7 +3063,7 @@
           <a:p>
             <a:fld id="{679441A9-2F90-44AC-B781-BB94263E0D35}" type="datetimeFigureOut">
               <a:rPr lang="es-AR" smtClean="0"/>
-              <a:t>13/10/2021</a:t>
+              <a:t>14/10/2021</a:t>
             </a:fld>
             <a:endParaRPr lang="es-AR"/>
           </a:p>
@@ -3008,7 +3445,7 @@
           <a:p>
             <a:fld id="{679441A9-2F90-44AC-B781-BB94263E0D35}" type="datetimeFigureOut">
               <a:rPr lang="es-AR" smtClean="0"/>
-              <a:t>13/10/2021</a:t>
+              <a:t>14/10/2021</a:t>
             </a:fld>
             <a:endParaRPr lang="es-AR"/>
           </a:p>
@@ -3295,7 +3732,7 @@
           <a:p>
             <a:fld id="{679441A9-2F90-44AC-B781-BB94263E0D35}" type="datetimeFigureOut">
               <a:rPr lang="es-AR" smtClean="0"/>
-              <a:t>13/10/2021</a:t>
+              <a:t>14/10/2021</a:t>
             </a:fld>
             <a:endParaRPr lang="es-AR"/>
           </a:p>
@@ -3937,7 +4374,7 @@
         </p:nvSpPr>
         <p:spPr>
           <a:xfrm>
-            <a:off x="838200" y="1573432"/>
+            <a:off x="1097282" y="1737360"/>
             <a:ext cx="9062113" cy="1015663"/>
           </a:xfrm>
           <a:prstGeom prst="rect">
@@ -3965,7 +4402,19 @@
             </a:r>
             <a:r>
               <a:rPr lang="es-AR" sz="2000" dirty="0"/>
-              <a:t> INT): modifica el precio de un producto, cambia el precio total en todos los pedidos que estén activos y devuelve la cantidad de documentos actualizados.</a:t>
+              <a:t> </a:t>
+            </a:r>
+            <a:r>
+              <a:rPr lang="es-AR" sz="2000" dirty="0" err="1" smtClean="0"/>
+              <a:t>INT,precioNuevo</a:t>
+            </a:r>
+            <a:r>
+              <a:rPr lang="es-AR" sz="2000" dirty="0" smtClean="0"/>
+              <a:t> INT): </a:t>
+            </a:r>
+            <a:r>
+              <a:rPr lang="es-AR" sz="2000" dirty="0"/>
+              <a:t>modifica el precio de un producto, cambia el precio total en todos los pedidos que estén activos y devuelve la cantidad de documentos actualizados.</a:t>
             </a:r>
           </a:p>
         </p:txBody>
@@ -3978,7 +4427,7 @@
         </p:nvSpPr>
         <p:spPr>
           <a:xfrm>
-            <a:off x="838200" y="3560413"/>
+            <a:off x="1097282" y="3724341"/>
             <a:ext cx="8646994" cy="369332"/>
           </a:xfrm>
           <a:prstGeom prst="rect">
@@ -4007,113 +4456,6 @@
       <p:pic>
         <p:nvPicPr>
           <p:cNvPr id="10" name="Imagen 9"/>
-          <p:cNvPicPr>
-            <a:picLocks noChangeAspect="1"/>
-          </p:cNvPicPr>
-          <p:nvPr/>
-        </p:nvPicPr>
-        <p:blipFill>
-          <a:blip r:embed="rId2"/>
-          <a:stretch>
-            <a:fillRect/>
-          </a:stretch>
-        </p:blipFill>
-        <p:spPr>
-          <a:xfrm>
-            <a:off x="838200" y="2898995"/>
-            <a:ext cx="8771635" cy="646331"/>
-          </a:xfrm>
-          <a:prstGeom prst="rect">
-            <a:avLst/>
-          </a:prstGeom>
-        </p:spPr>
-      </p:pic>
-      <p:sp>
-        <p:nvSpPr>
-          <p:cNvPr id="11" name="CuadroTexto 10"/>
-          <p:cNvSpPr txBox="1"/>
-          <p:nvPr/>
-        </p:nvSpPr>
-        <p:spPr>
-          <a:xfrm>
-            <a:off x="838200" y="2514576"/>
-            <a:ext cx="8646994" cy="369332"/>
-          </a:xfrm>
-          <a:prstGeom prst="rect">
-            <a:avLst/>
-          </a:prstGeom>
-          <a:noFill/>
-        </p:spPr>
-        <p:txBody>
-          <a:bodyPr wrap="square" rtlCol="0">
-            <a:spAutoFit/>
-          </a:bodyPr>
-          <a:lstStyle/>
-          <a:p>
-            <a:r>
-              <a:rPr lang="es-AR" dirty="0" smtClean="0"/>
-              <a:t>1) </a:t>
-            </a:r>
-            <a:r>
-              <a:rPr lang="es-AR" dirty="0"/>
-              <a:t>Hace un </a:t>
-            </a:r>
-            <a:r>
-              <a:rPr lang="es-AR" dirty="0" err="1"/>
-              <a:t>update</a:t>
-            </a:r>
-            <a:r>
-              <a:rPr lang="es-AR" dirty="0"/>
-              <a:t> en la tabla producto. </a:t>
-            </a:r>
-          </a:p>
-        </p:txBody>
-      </p:sp>
-      <p:sp>
-        <p:nvSpPr>
-          <p:cNvPr id="13" name="CuadroTexto 12"/>
-          <p:cNvSpPr txBox="1"/>
-          <p:nvPr/>
-        </p:nvSpPr>
-        <p:spPr>
-          <a:xfrm>
-            <a:off x="838200" y="5329846"/>
-            <a:ext cx="11201400" cy="369332"/>
-          </a:xfrm>
-          <a:prstGeom prst="rect">
-            <a:avLst/>
-          </a:prstGeom>
-          <a:noFill/>
-        </p:spPr>
-        <p:txBody>
-          <a:bodyPr wrap="square" rtlCol="0">
-            <a:spAutoFit/>
-          </a:bodyPr>
-          <a:lstStyle/>
-          <a:p>
-            <a:r>
-              <a:rPr lang="es-AR" dirty="0" smtClean="0"/>
-              <a:t>3) Por cada fila que obtiene calcula el nuevo precio total </a:t>
-            </a:r>
-            <a:r>
-              <a:rPr lang="es-AR" dirty="0" smtClean="0">
-                <a:sym typeface="Wingdings" panose="05000000000000000000" pitchFamily="2" charset="2"/>
-              </a:rPr>
-              <a:t> precio del producto * cantidad = </a:t>
-            </a:r>
-            <a:r>
-              <a:rPr lang="es-AR" b="1" dirty="0" smtClean="0">
-                <a:sym typeface="Wingdings" panose="05000000000000000000" pitchFamily="2" charset="2"/>
-              </a:rPr>
-              <a:t>2349 * 10 = 23490 </a:t>
-            </a:r>
-            <a:endParaRPr lang="es-AR" b="1" dirty="0"/>
-          </a:p>
-        </p:txBody>
-      </p:sp>
-      <p:pic>
-        <p:nvPicPr>
-          <p:cNvPr id="14" name="Imagen 13"/>
           <p:cNvPicPr>
             <a:picLocks noChangeAspect="1"/>
           </p:cNvPicPr>
@@ -4127,8 +4469,8 @@
         </p:blipFill>
         <p:spPr>
           <a:xfrm>
-            <a:off x="838199" y="3929745"/>
-            <a:ext cx="9044331" cy="1400101"/>
+            <a:off x="1097282" y="3062923"/>
+            <a:ext cx="8771635" cy="646331"/>
           </a:xfrm>
           <a:prstGeom prst="rect">
             <a:avLst/>
@@ -4137,13 +4479,13 @@
       </p:pic>
       <p:sp>
         <p:nvSpPr>
-          <p:cNvPr id="15" name="CuadroTexto 14"/>
+          <p:cNvPr id="11" name="CuadroTexto 10"/>
           <p:cNvSpPr txBox="1"/>
           <p:nvPr/>
         </p:nvSpPr>
         <p:spPr>
           <a:xfrm>
-            <a:off x="838199" y="5699178"/>
+            <a:off x="1097282" y="2678504"/>
             <a:ext cx="8646994" cy="369332"/>
           </a:xfrm>
           <a:prstGeom prst="rect">
@@ -4158,20 +4500,87 @@
           <a:lstStyle/>
           <a:p>
             <a:r>
+              <a:rPr lang="es-AR" dirty="0" smtClean="0"/>
+              <a:t>1) </a:t>
+            </a:r>
+            <a:r>
               <a:rPr lang="es-AR" dirty="0"/>
-              <a:t>4</a:t>
-            </a:r>
+              <a:t>Hace un </a:t>
+            </a:r>
+            <a:r>
+              <a:rPr lang="es-AR" dirty="0" err="1"/>
+              <a:t>update</a:t>
+            </a:r>
+            <a:r>
+              <a:rPr lang="es-AR" dirty="0"/>
+              <a:t> en la tabla producto. </a:t>
+            </a:r>
+          </a:p>
+        </p:txBody>
+      </p:sp>
+      <p:sp>
+        <p:nvSpPr>
+          <p:cNvPr id="13" name="CuadroTexto 12"/>
+          <p:cNvSpPr txBox="1"/>
+          <p:nvPr/>
+        </p:nvSpPr>
+        <p:spPr>
+          <a:xfrm>
+            <a:off x="1097282" y="5493774"/>
+            <a:ext cx="11201400" cy="369332"/>
+          </a:xfrm>
+          <a:prstGeom prst="rect">
+            <a:avLst/>
+          </a:prstGeom>
+          <a:noFill/>
+        </p:spPr>
+        <p:txBody>
+          <a:bodyPr wrap="square" rtlCol="0">
+            <a:spAutoFit/>
+          </a:bodyPr>
+          <a:lstStyle/>
+          <a:p>
             <a:r>
               <a:rPr lang="es-AR" dirty="0" smtClean="0"/>
-              <a:t>) Inserta el nuevo precio total</a:t>
-            </a:r>
-            <a:endParaRPr lang="es-AR" dirty="0"/>
+              <a:t>3) Por cada fila que obtiene calcula el nuevo precio total </a:t>
+            </a:r>
+            <a:r>
+              <a:rPr lang="es-AR" dirty="0" smtClean="0">
+                <a:sym typeface="Wingdings" panose="05000000000000000000" pitchFamily="2" charset="2"/>
+              </a:rPr>
+              <a:t> </a:t>
+            </a:r>
+            <a:r>
+              <a:rPr lang="es-AR" dirty="0" err="1" smtClean="0">
+                <a:sym typeface="Wingdings" panose="05000000000000000000" pitchFamily="2" charset="2"/>
+              </a:rPr>
+              <a:t>precioNuevo</a:t>
+            </a:r>
+            <a:r>
+              <a:rPr lang="es-AR" dirty="0" smtClean="0">
+                <a:sym typeface="Wingdings" panose="05000000000000000000" pitchFamily="2" charset="2"/>
+              </a:rPr>
+              <a:t> * </a:t>
+            </a:r>
+            <a:r>
+              <a:rPr lang="es-AR" dirty="0" smtClean="0">
+                <a:sym typeface="Wingdings" panose="05000000000000000000" pitchFamily="2" charset="2"/>
+              </a:rPr>
+              <a:t>cantidad = </a:t>
+            </a:r>
+            <a:r>
+              <a:rPr lang="es-AR" b="1" dirty="0" smtClean="0">
+                <a:sym typeface="Wingdings" panose="05000000000000000000" pitchFamily="2" charset="2"/>
+              </a:rPr>
+              <a:t>2349 * 10 = 23490 </a:t>
+            </a:r>
+            <a:endParaRPr lang="es-AR" b="1" dirty="0"/>
           </a:p>
         </p:txBody>
       </p:sp>
       <p:pic>
         <p:nvPicPr>
-          <p:cNvPr id="16" name="Imagen 15"/>
+          <p:cNvPr id="14" name="Imagen 13"/>
           <p:cNvPicPr>
             <a:picLocks noChangeAspect="1"/>
           </p:cNvPicPr>
@@ -4185,7 +4594,65 @@
         </p:blipFill>
         <p:spPr>
           <a:xfrm>
-            <a:off x="838198" y="6068510"/>
+            <a:off x="1097281" y="4093673"/>
+            <a:ext cx="9044331" cy="1400101"/>
+          </a:xfrm>
+          <a:prstGeom prst="rect">
+            <a:avLst/>
+          </a:prstGeom>
+        </p:spPr>
+      </p:pic>
+      <p:sp>
+        <p:nvSpPr>
+          <p:cNvPr id="15" name="CuadroTexto 14"/>
+          <p:cNvSpPr txBox="1"/>
+          <p:nvPr/>
+        </p:nvSpPr>
+        <p:spPr>
+          <a:xfrm>
+            <a:off x="1097281" y="5863106"/>
+            <a:ext cx="8646994" cy="369332"/>
+          </a:xfrm>
+          <a:prstGeom prst="rect">
+            <a:avLst/>
+          </a:prstGeom>
+          <a:noFill/>
+        </p:spPr>
+        <p:txBody>
+          <a:bodyPr wrap="square" rtlCol="0">
+            <a:spAutoFit/>
+          </a:bodyPr>
+          <a:lstStyle/>
+          <a:p>
+            <a:r>
+              <a:rPr lang="es-AR" dirty="0"/>
+              <a:t>4</a:t>
+            </a:r>
+            <a:r>
+              <a:rPr lang="es-AR" dirty="0" smtClean="0"/>
+              <a:t>) Inserta el nuevo precio total</a:t>
+            </a:r>
+            <a:endParaRPr lang="es-AR" dirty="0"/>
+          </a:p>
+        </p:txBody>
+      </p:sp>
+      <p:pic>
+        <p:nvPicPr>
+          <p:cNvPr id="16" name="Imagen 15"/>
+          <p:cNvPicPr>
+            <a:picLocks noChangeAspect="1"/>
+          </p:cNvPicPr>
+          <p:nvPr/>
+        </p:nvPicPr>
+        <p:blipFill>
+          <a:blip r:embed="rId5"/>
+          <a:stretch>
+            <a:fillRect/>
+          </a:stretch>
+        </p:blipFill>
+        <p:spPr>
+          <a:xfrm>
+            <a:off x="1097280" y="6232438"/>
             <a:ext cx="8903056" cy="601986"/>
           </a:xfrm>
           <a:prstGeom prst="rect">
@@ -4268,7 +4735,7 @@
         </p:nvSpPr>
         <p:spPr>
           <a:xfrm>
-            <a:off x="838200" y="1489332"/>
+            <a:off x="1097281" y="1694450"/>
             <a:ext cx="9062113" cy="707886"/>
           </a:xfrm>
           <a:prstGeom prst="rect">
@@ -4309,7 +4776,7 @@
         </p:nvSpPr>
         <p:spPr>
           <a:xfrm>
-            <a:off x="838200" y="2232968"/>
+            <a:off x="1097281" y="2438086"/>
             <a:ext cx="8646994" cy="369332"/>
           </a:xfrm>
           <a:prstGeom prst="rect">
@@ -4355,7 +4822,7 @@
         </p:blipFill>
         <p:spPr>
           <a:xfrm>
-            <a:off x="838200" y="2585719"/>
+            <a:off x="1097281" y="2790837"/>
             <a:ext cx="9262335" cy="692203"/>
           </a:xfrm>
           <a:prstGeom prst="rect">
@@ -4371,7 +4838,7 @@
         </p:nvSpPr>
         <p:spPr>
           <a:xfrm>
-            <a:off x="838200" y="3297091"/>
+            <a:off x="1097281" y="3502209"/>
             <a:ext cx="8646994" cy="369332"/>
           </a:xfrm>
           <a:prstGeom prst="rect">
@@ -4421,7 +4888,7 @@
         </p:blipFill>
         <p:spPr>
           <a:xfrm>
-            <a:off x="838200" y="3654445"/>
+            <a:off x="1097281" y="3859563"/>
             <a:ext cx="11152064" cy="539616"/>
           </a:xfrm>
           <a:prstGeom prst="rect">
@@ -4437,7 +4904,7 @@
         </p:nvSpPr>
         <p:spPr>
           <a:xfrm>
-            <a:off x="838200" y="4194061"/>
+            <a:off x="1097281" y="4399179"/>
             <a:ext cx="8646994" cy="646331"/>
           </a:xfrm>
           <a:prstGeom prst="rect">
@@ -4457,8 +4924,13 @@
             </a:r>
             <a:r>
               <a:rPr lang="es-AR" dirty="0"/>
-              <a:t>Por cada producto que obtiene de la consulta anterior se fija los precios totales de los productos.</a:t>
-            </a:r>
+              <a:t>Por cada producto que obtiene de la consulta anterior se fija los precios totales de los productos</a:t>
+            </a:r>
+            <a:r>
+              <a:rPr lang="es-AR" dirty="0" smtClean="0"/>
+              <a:t>.</a:t>
+            </a:r>
+            <a:endParaRPr lang="es-AR" b="1" dirty="0"/>
           </a:p>
         </p:txBody>
       </p:sp>
@@ -4470,7 +4942,7 @@
         </p:nvSpPr>
         <p:spPr>
           <a:xfrm>
-            <a:off x="838200" y="6006551"/>
+            <a:off x="1097281" y="6155275"/>
             <a:ext cx="8646994" cy="646331"/>
           </a:xfrm>
           <a:prstGeom prst="rect">
@@ -4490,7 +4962,11 @@
             </a:r>
             <a:r>
               <a:rPr lang="es-AR" dirty="0" smtClean="0"/>
-              <a:t>) Le suma al monto el porcentaje de </a:t>
+              <a:t>) </a:t>
+            </a:r>
+            <a:r>
+              <a:rPr lang="es-AR" dirty="0" smtClean="0"/>
+              <a:t>Por cada precio_total que obtiene, le suma al monto el porcentaje de </a:t>
             </a:r>
             <a:r>
               <a:rPr lang="es-AR" dirty="0" err="1" smtClean="0"/>
@@ -4498,11 +4974,7 @@
             </a:r>
             <a:r>
               <a:rPr lang="es-AR" dirty="0" smtClean="0"/>
-              <a:t> del </a:t>
-            </a:r>
-            <a:r>
-              <a:rPr lang="es-AR" dirty="0" err="1" smtClean="0"/>
-              <a:t>precio_total</a:t>
+              <a:t>. Por ejemplo, en el primer caso</a:t>
             </a:r>
             <a:r>
               <a:rPr lang="es-AR" dirty="0" smtClean="0"/>
@@ -4518,7 +4990,7 @@
       </p:sp>
       <p:pic>
         <p:nvPicPr>
-          <p:cNvPr id="6" name="Imagen 5"/>
+          <p:cNvPr id="3" name="Imagen 2"/>
           <p:cNvPicPr>
             <a:picLocks noChangeAspect="1"/>
           </p:cNvPicPr>
@@ -4532,8 +5004,8 @@
         </p:blipFill>
         <p:spPr>
           <a:xfrm>
-            <a:off x="838199" y="4840391"/>
-            <a:ext cx="10167449" cy="1166159"/>
+            <a:off x="1097280" y="5009236"/>
+            <a:ext cx="8608154" cy="1112204"/>
           </a:xfrm>
           <a:prstGeom prst="rect">
             <a:avLst/>
@@ -4622,7 +5094,7 @@
         </p:blipFill>
         <p:spPr>
           <a:xfrm>
-            <a:off x="838200" y="1690688"/>
+            <a:off x="838200" y="2135188"/>
             <a:ext cx="4995081" cy="3577348"/>
           </a:xfrm>
           <a:prstGeom prst="rect">
@@ -4651,8 +5123,8 @@
         </p:blipFill>
         <p:spPr>
           <a:xfrm>
-            <a:off x="6979464" y="1690688"/>
-            <a:ext cx="3228153" cy="4665116"/>
+            <a:off x="7500165" y="1866900"/>
+            <a:ext cx="3044702" cy="4400004"/>
           </a:xfrm>
           <a:prstGeom prst="rect">
             <a:avLst/>
@@ -4747,8 +5219,8 @@
         </p:blipFill>
         <p:spPr>
           <a:xfrm>
-            <a:off x="2257568" y="1690688"/>
-            <a:ext cx="2797407" cy="4960961"/>
+            <a:off x="1889269" y="1968500"/>
+            <a:ext cx="2332816" cy="4137049"/>
           </a:xfrm>
           <a:prstGeom prst="rect">
             <a:avLst/>
@@ -4776,8 +5248,8 @@
         </p:blipFill>
         <p:spPr>
           <a:xfrm>
-            <a:off x="5906209" y="3556095"/>
-            <a:ext cx="5447591" cy="1220622"/>
+            <a:off x="4547309" y="3213195"/>
+            <a:ext cx="7136691" cy="1599092"/>
           </a:xfrm>
           <a:prstGeom prst="rect">
             <a:avLst/>
@@ -4984,9 +5456,12 @@
           </a:bodyPr>
           <a:lstStyle/>
           <a:p>
+            <a:pPr marL="342900" indent="-342900">
+              <a:buAutoNum type="arabicParenR"/>
+            </a:pPr>
             <a:r>
               <a:rPr lang="es-AR" dirty="0" smtClean="0"/>
-              <a:t>1) Hace </a:t>
+              <a:t>Hace </a:t>
             </a:r>
             <a:r>
               <a:rPr lang="es-AR" dirty="0"/>
@@ -5000,6 +5475,23 @@
               <a:rPr lang="es-AR" dirty="0"/>
               <a:t>. </a:t>
             </a:r>
+            <a:r>
+              <a:rPr lang="es-AR" b="1" dirty="0" err="1" smtClean="0"/>
+              <a:t>db.producto.find</a:t>
+            </a:r>
+            <a:r>
+              <a:rPr lang="es-AR" b="1" dirty="0" smtClean="0"/>
+              <a:t>({“empresa.</a:t>
+            </a:r>
+            <a:r>
+              <a:rPr lang="es-AR" b="1" dirty="0" err="1" smtClean="0"/>
+              <a:t>razonSocial</a:t>
+            </a:r>
+            <a:r>
+              <a:rPr lang="es-AR" b="1" dirty="0" smtClean="0"/>
+              <a:t>”:”Nike”},{_id:0,id:1})</a:t>
+            </a:r>
+            <a:endParaRPr lang="es-AR" b="1" dirty="0"/>
           </a:p>
         </p:txBody>
       </p:sp>
@@ -5048,15 +5540,15 @@
         </p:nvSpPr>
         <p:spPr>
           <a:xfrm>
-            <a:off x="838200" y="5208821"/>
-            <a:ext cx="6096000" cy="369332"/>
+            <a:off x="838199" y="5208821"/>
+            <a:ext cx="11092543" cy="369332"/>
           </a:xfrm>
           <a:prstGeom prst="rect">
             <a:avLst/>
           </a:prstGeom>
         </p:spPr>
         <p:txBody>
-          <a:bodyPr>
+          <a:bodyPr wrap="square">
             <a:spAutoFit/>
           </a:bodyPr>
           <a:lstStyle/>
@@ -5082,6 +5574,32 @@
                 <a:cs typeface="Consolas" panose="020B0609020204030204" pitchFamily="49" charset="0"/>
               </a:rPr>
               <a:t>. </a:t>
+            </a:r>
+            <a:r>
+              <a:rPr lang="es-AR" b="1" dirty="0" err="1" smtClean="0">
+                <a:latin typeface="Calibri" panose="020F0502020204030204" pitchFamily="34" charset="0"/>
+                <a:ea typeface="Calibri" panose="020F0502020204030204" pitchFamily="34" charset="0"/>
+                <a:cs typeface="Consolas" panose="020B0609020204030204" pitchFamily="49" charset="0"/>
+              </a:rPr>
+              <a:t>d</a:t>
+            </a:r>
+            <a:r>
+              <a:rPr lang="es-AR" b="1" dirty="0" err="1" smtClean="0">
+                <a:effectLst/>
+                <a:latin typeface="Calibri" panose="020F0502020204030204" pitchFamily="34" charset="0"/>
+                <a:ea typeface="Calibri" panose="020F0502020204030204" pitchFamily="34" charset="0"/>
+                <a:cs typeface="Consolas" panose="020B0609020204030204" pitchFamily="49" charset="0"/>
+              </a:rPr>
+              <a:t>b.producto.deleteOne</a:t>
+            </a:r>
+            <a:r>
+              <a:rPr lang="es-AR" b="1" dirty="0" smtClean="0">
+                <a:effectLst/>
+                <a:latin typeface="Calibri" panose="020F0502020204030204" pitchFamily="34" charset="0"/>
+                <a:ea typeface="Calibri" panose="020F0502020204030204" pitchFamily="34" charset="0"/>
+                <a:cs typeface="Consolas" panose="020B0609020204030204" pitchFamily="49" charset="0"/>
+              </a:rPr>
+              <a:t>({id : 3})</a:t>
             </a:r>
             <a:endParaRPr lang="es-AR" dirty="0"/>
           </a:p>
@@ -5095,16 +5613,15 @@
           </p:cNvPicPr>
           <p:nvPr/>
         </p:nvPicPr>
-        <p:blipFill>
+        <p:blipFill rotWithShape="1">
           <a:blip r:embed="rId2"/>
-          <a:stretch>
-            <a:fillRect/>
-          </a:stretch>
+          <a:srcRect t="45800" r="80562"/>
+          <a:stretch/>
         </p:blipFill>
         <p:spPr>
           <a:xfrm>
-            <a:off x="942122" y="3339415"/>
-            <a:ext cx="9030363" cy="611537"/>
+            <a:off x="838200" y="3430137"/>
+            <a:ext cx="2838060" cy="535891"/>
           </a:xfrm>
           <a:prstGeom prst="rect">
             <a:avLst/>
@@ -5143,16 +5660,15 @@
           </p:cNvPicPr>
           <p:nvPr/>
         </p:nvPicPr>
-        <p:blipFill>
+        <p:blipFill rotWithShape="1">
           <a:blip r:embed="rId4"/>
-          <a:stretch>
-            <a:fillRect/>
-          </a:stretch>
+          <a:srcRect t="36238"/>
+          <a:stretch/>
         </p:blipFill>
         <p:spPr>
           <a:xfrm>
-            <a:off x="942122" y="5668874"/>
-            <a:ext cx="7084278" cy="617943"/>
+            <a:off x="942122" y="5578153"/>
+            <a:ext cx="10546578" cy="586585"/>
           </a:xfrm>
           <a:prstGeom prst="rect">
             <a:avLst/>
@@ -5403,7 +5919,7 @@
         </p:nvSpPr>
         <p:spPr>
           <a:xfrm>
-            <a:off x="838200" y="2693085"/>
+            <a:off x="838200" y="2420630"/>
             <a:ext cx="8646994" cy="369332"/>
           </a:xfrm>
           <a:prstGeom prst="rect">
@@ -5433,12 +5949,55 @@
           </a:p>
         </p:txBody>
       </p:sp>
+      <p:sp>
+        <p:nvSpPr>
+          <p:cNvPr id="7" name="CuadroTexto 6"/>
+          <p:cNvSpPr txBox="1"/>
+          <p:nvPr/>
+        </p:nvSpPr>
+        <p:spPr>
+          <a:xfrm>
+            <a:off x="838200" y="4333091"/>
+            <a:ext cx="8646994" cy="646331"/>
+          </a:xfrm>
+          <a:prstGeom prst="rect">
+            <a:avLst/>
+          </a:prstGeom>
+          <a:noFill/>
+        </p:spPr>
+        <p:txBody>
+          <a:bodyPr wrap="square" rtlCol="0">
+            <a:spAutoFit/>
+          </a:bodyPr>
+          <a:lstStyle/>
+          <a:p>
+            <a:r>
+              <a:rPr lang="es-AR" dirty="0"/>
+              <a:t>2</a:t>
+            </a:r>
+            <a:r>
+              <a:rPr lang="es-AR" dirty="0" smtClean="0"/>
+              <a:t>) </a:t>
+            </a:r>
+            <a:r>
+              <a:rPr lang="es-AR" dirty="0"/>
+              <a:t>Incrementa 10 a la </a:t>
+            </a:r>
+            <a:r>
+              <a:rPr lang="es-AR" dirty="0" smtClean="0"/>
+              <a:t>comisión </a:t>
+            </a:r>
+            <a:r>
+              <a:rPr lang="es-AR" dirty="0"/>
+              <a:t>de la empresa del producto obtenido en la consulta anterior. </a:t>
+            </a:r>
+          </a:p>
+        </p:txBody>
+      </p:sp>
       <p:pic>
         <p:nvPicPr>
-          <p:cNvPr id="6" name="Imagen 5"/>
-          <p:cNvPicPr>
-            <a:picLocks noChangeAspect="1"/>
-          </p:cNvPicPr>
+          <p:cNvPr id="8" name="Imagen5"/>
+          <p:cNvPicPr/>
           <p:nvPr/>
         </p:nvPicPr>
         <p:blipFill>
@@ -5447,65 +6006,22 @@
             <a:fillRect/>
           </a:stretch>
         </p:blipFill>
-        <p:spPr>
-          <a:xfrm>
-            <a:off x="838200" y="3300832"/>
-            <a:ext cx="10334069" cy="736832"/>
+        <p:spPr bwMode="auto">
+          <a:xfrm>
+            <a:off x="838199" y="5274849"/>
+            <a:ext cx="9841021" cy="907587"/>
           </a:xfrm>
           <a:prstGeom prst="rect">
             <a:avLst/>
           </a:prstGeom>
         </p:spPr>
       </p:pic>
-      <p:sp>
-        <p:nvSpPr>
-          <p:cNvPr id="7" name="CuadroTexto 6"/>
-          <p:cNvSpPr txBox="1"/>
-          <p:nvPr/>
-        </p:nvSpPr>
-        <p:spPr>
-          <a:xfrm>
-            <a:off x="838200" y="4333091"/>
-            <a:ext cx="8646994" cy="646331"/>
-          </a:xfrm>
-          <a:prstGeom prst="rect">
-            <a:avLst/>
-          </a:prstGeom>
-          <a:noFill/>
-        </p:spPr>
-        <p:txBody>
-          <a:bodyPr wrap="square" rtlCol="0">
-            <a:spAutoFit/>
-          </a:bodyPr>
-          <a:lstStyle/>
-          <a:p>
-            <a:r>
-              <a:rPr lang="es-AR" dirty="0"/>
-              <a:t>2</a:t>
-            </a:r>
-            <a:r>
-              <a:rPr lang="es-AR" dirty="0" smtClean="0"/>
-              <a:t>) </a:t>
-            </a:r>
-            <a:r>
-              <a:rPr lang="es-AR" dirty="0"/>
-              <a:t>Incrementa 10 a la </a:t>
-            </a:r>
-            <a:r>
-              <a:rPr lang="es-AR" dirty="0" smtClean="0"/>
-              <a:t>comisión </a:t>
-            </a:r>
-            <a:r>
-              <a:rPr lang="es-AR" dirty="0"/>
-              <a:t>de la empresa del producto obtenido en la consulta anterior. </a:t>
-            </a:r>
-          </a:p>
-        </p:txBody>
-      </p:sp>
       <p:pic>
         <p:nvPicPr>
-          <p:cNvPr id="8" name="Imagen5"/>
-          <p:cNvPicPr/>
+          <p:cNvPr id="3" name="Imagen 2"/>
+          <p:cNvPicPr>
+            <a:picLocks noChangeAspect="1"/>
+          </p:cNvPicPr>
           <p:nvPr/>
         </p:nvPicPr>
         <p:blipFill>
@@ -5514,10 +6030,10 @@
             <a:fillRect/>
           </a:stretch>
         </p:blipFill>
-        <p:spPr bwMode="auto">
-          <a:xfrm>
-            <a:off x="838199" y="5274849"/>
-            <a:ext cx="9841021" cy="907587"/>
+        <p:spPr>
+          <a:xfrm>
+            <a:off x="838199" y="3048322"/>
+            <a:ext cx="10616742" cy="984083"/>
           </a:xfrm>
           <a:prstGeom prst="rect">
             <a:avLst/>
@@ -6204,4 +6720,265 @@
     </a:ext>
   </a:extLst>
 </a:theme>
+</file>
+
+<file path=ppt/theme/theme2.xml><?xml version="1.0" encoding="utf-8"?>
+<a:theme xmlns:a="http://schemas.openxmlformats.org/drawingml/2006/main" name="Tema de Office">
+  <a:themeElements>
+    <a:clrScheme name="Office">
+      <a:dk1>
+        <a:sysClr val="windowText" lastClr="000000"/>
+      </a:dk1>
+      <a:lt1>
+        <a:sysClr val="window" lastClr="FFFFFF"/>
+      </a:lt1>
+      <a:dk2>
+        <a:srgbClr val="44546A"/>
+      </a:dk2>
+      <a:lt2>
+        <a:srgbClr val="E7E6E6"/>
+      </a:lt2>
+      <a:accent1>
+        <a:srgbClr val="5B9BD5"/>
+      </a:accent1>
+      <a:accent2>
+        <a:srgbClr val="ED7D31"/>
+      </a:accent2>
+      <a:accent3>
+        <a:srgbClr val="A5A5A5"/>
+      </a:accent3>
+      <a:accent4>
+        <a:srgbClr val="FFC000"/>
+      </a:accent4>
+      <a:accent5>
+        <a:srgbClr val="4472C4"/>
+      </a:accent5>
+      <a:accent6>
+        <a:srgbClr val="70AD47"/>
+      </a:accent6>
+      <a:hlink>
+        <a:srgbClr val="0563C1"/>
+      </a:hlink>
+      <a:folHlink>
+        <a:srgbClr val="954F72"/>
+      </a:folHlink>
+    </a:clrScheme>
+    <a:fontScheme name="Office">
+      <a:majorFont>
+        <a:latin typeface="Calibri Light" panose="020F0302020204030204"/>
+        <a:ea typeface=""/>
+        <a:cs typeface=""/>
+        <a:font script="Jpan" typeface="ＭＳ Ｐゴシック"/>
+        <a:font script="Hang" typeface="맑은 고딕"/>
+        <a:font script="Hans" typeface="宋体"/>
+        <a:font script="Hant" typeface="新細明體"/>
+        <a:font script="Arab" typeface="Times New Roman"/>
+        <a:font script="Hebr" typeface="Times New Roman"/>
+        <a:font script="Thai" typeface="Angsana New"/>
+        <a:font script="Ethi" typeface="Nyala"/>
+        <a:font script="Beng" typeface="Vrinda"/>
+        <a:font script="Gujr" typeface="Shruti"/>
+        <a:font script="Khmr" typeface="MoolBoran"/>
+        <a:font script="Knda" typeface="Tunga"/>
+        <a:font script="Guru" typeface="Raavi"/>
+        <a:font script="Cans" typeface="Euphemia"/>
+        <a:font script="Cher" typeface="Plantagenet Cherokee"/>
+        <a:font script="Yiii" typeface="Microsoft Yi Baiti"/>
+        <a:font script="Tibt" typeface="Microsoft Himalaya"/>
+        <a:font script="Thaa" typeface="MV Boli"/>
+        <a:font script="Deva" typeface="Mangal"/>
+        <a:font script="Telu" typeface="Gautami"/>
+        <a:font script="Taml" typeface="Latha"/>
+        <a:font script="Syrc" typeface="Estrangelo Edessa"/>
+        <a:font script="Orya" typeface="Kalinga"/>
+        <a:font script="Mlym" typeface="Kartika"/>
+        <a:font script="Laoo" typeface="DokChampa"/>
+        <a:font script="Sinh" typeface="Iskoola Pota"/>
+        <a:font script="Mong" typeface="Mongolian Baiti"/>
+        <a:font script="Viet" typeface="Times New Roman"/>
+        <a:font script="Uigh" typeface="Microsoft Uighur"/>
+        <a:font script="Geor" typeface="Sylfaen"/>
+      </a:majorFont>
+      <a:minorFont>
+        <a:latin typeface="Calibri" panose="020F0502020204030204"/>
+        <a:ea typeface=""/>
+        <a:cs typeface=""/>
+        <a:font script="Jpan" typeface="ＭＳ Ｐゴシック"/>
+        <a:font script="Hang" typeface="맑은 고딕"/>
+        <a:font script="Hans" typeface="宋体"/>
+        <a:font script="Hant" typeface="新細明體"/>
+        <a:font script="Arab" typeface="Arial"/>
+        <a:font script="Hebr" typeface="Arial"/>
+        <a:font script="Thai" typeface="Cordia New"/>
+        <a:font script="Ethi" typeface="Nyala"/>
+        <a:font script="Beng" typeface="Vrinda"/>
+        <a:font script="Gujr" typeface="Shruti"/>
+        <a:font script="Khmr" typeface="DaunPenh"/>
+        <a:font script="Knda" typeface="Tunga"/>
+        <a:font script="Guru" typeface="Raavi"/>
+        <a:font script="Cans" typeface="Euphemia"/>
+        <a:font script="Cher" typeface="Plantagenet Cherokee"/>
+        <a:font script="Yiii" typeface="Microsoft Yi Baiti"/>
+        <a:font script="Tibt" typeface="Microsoft Himalaya"/>
+        <a:font script="Thaa" typeface="MV Boli"/>
+        <a:font script="Deva" typeface="Mangal"/>
+        <a:font script="Telu" typeface="Gautami"/>
+        <a:font script="Taml" typeface="Latha"/>
+        <a:font script="Syrc" typeface="Estrangelo Edessa"/>
+        <a:font script="Orya" typeface="Kalinga"/>
+        <a:font script="Mlym" typeface="Kartika"/>
+        <a:font script="Laoo" typeface="DokChampa"/>
+        <a:font script="Sinh" typeface="Iskoola Pota"/>
+        <a:font script="Mong" typeface="Mongolian Baiti"/>
+        <a:font script="Viet" typeface="Arial"/>
+        <a:font script="Uigh" typeface="Microsoft Uighur"/>
+        <a:font script="Geor" typeface="Sylfaen"/>
+      </a:minorFont>
+    </a:fontScheme>
+    <a:fmtScheme name="Office">
+      <a:fillStyleLst>
+        <a:solidFill>
+          <a:schemeClr val="phClr"/>
+        </a:solidFill>
+        <a:gradFill rotWithShape="1">
+          <a:gsLst>
+            <a:gs pos="0">
+              <a:schemeClr val="phClr">
+                <a:lumMod val="110000"/>
+                <a:satMod val="105000"/>
+                <a:tint val="67000"/>
+              </a:schemeClr>
+            </a:gs>
+            <a:gs pos="50000">
+              <a:schemeClr val="phClr">
+                <a:lumMod val="105000"/>
+                <a:satMod val="103000"/>
+                <a:tint val="73000"/>
+              </a:schemeClr>
+            </a:gs>
+            <a:gs pos="100000">
+              <a:schemeClr val="phClr">
+                <a:lumMod val="105000"/>
+                <a:satMod val="109000"/>
+                <a:tint val="81000"/>
+              </a:schemeClr>
+            </a:gs>
+          </a:gsLst>
+          <a:lin ang="5400000" scaled="0"/>
+        </a:gradFill>
+        <a:gradFill rotWithShape="1">
+          <a:gsLst>
+            <a:gs pos="0">
+              <a:schemeClr val="phClr">
+                <a:satMod val="103000"/>
+                <a:lumMod val="102000"/>
+                <a:tint val="94000"/>
+              </a:schemeClr>
+            </a:gs>
+            <a:gs pos="50000">
+              <a:schemeClr val="phClr">
+                <a:satMod val="110000"/>
+                <a:lumMod val="100000"/>
+                <a:shade val="100000"/>
+              </a:schemeClr>
+            </a:gs>
+            <a:gs pos="100000">
+              <a:schemeClr val="phClr">
+                <a:lumMod val="99000"/>
+                <a:satMod val="120000"/>
+                <a:shade val="78000"/>
+              </a:schemeClr>
+            </a:gs>
+          </a:gsLst>
+          <a:lin ang="5400000" scaled="0"/>
+        </a:gradFill>
+      </a:fillStyleLst>
+      <a:lnStyleLst>
+        <a:ln w="6350" cap="flat" cmpd="sng" algn="ctr">
+          <a:solidFill>
+            <a:schemeClr val="phClr"/>
+          </a:solidFill>
+          <a:prstDash val="solid"/>
+          <a:miter lim="800000"/>
+        </a:ln>
+        <a:ln w="12700" cap="flat" cmpd="sng" algn="ctr">
+          <a:solidFill>
+            <a:schemeClr val="phClr"/>
+          </a:solidFill>
+          <a:prstDash val="solid"/>
+          <a:miter lim="800000"/>
+        </a:ln>
+        <a:ln w="19050" cap="flat" cmpd="sng" algn="ctr">
+          <a:solidFill>
+            <a:schemeClr val="phClr"/>
+          </a:solidFill>
+          <a:prstDash val="solid"/>
+          <a:miter lim="800000"/>
+        </a:ln>
+      </a:lnStyleLst>
+      <a:effectStyleLst>
+        <a:effectStyle>
+          <a:effectLst/>
+        </a:effectStyle>
+        <a:effectStyle>
+          <a:effectLst/>
+        </a:effectStyle>
+        <a:effectStyle>
+          <a:effectLst>
+            <a:outerShdw blurRad="57150" dist="19050" dir="5400000" algn="ctr" rotWithShape="0">
+              <a:srgbClr val="000000">
+                <a:alpha val="63000"/>
+              </a:srgbClr>
+            </a:outerShdw>
+          </a:effectLst>
+        </a:effectStyle>
+      </a:effectStyleLst>
+      <a:bgFillStyleLst>
+        <a:solidFill>
+          <a:schemeClr val="phClr"/>
+        </a:solidFill>
+        <a:solidFill>
+          <a:schemeClr val="phClr">
+            <a:tint val="95000"/>
+            <a:satMod val="170000"/>
+          </a:schemeClr>
+        </a:solidFill>
+        <a:gradFill rotWithShape="1">
+          <a:gsLst>
+            <a:gs pos="0">
+              <a:schemeClr val="phClr">
+                <a:tint val="93000"/>
+                <a:satMod val="150000"/>
+                <a:shade val="98000"/>
+                <a:lumMod val="102000"/>
+              </a:schemeClr>
+            </a:gs>
+            <a:gs pos="50000">
+              <a:schemeClr val="phClr">
+                <a:tint val="98000"/>
+                <a:satMod val="130000"/>
+                <a:shade val="90000"/>
+                <a:lumMod val="103000"/>
+              </a:schemeClr>
+            </a:gs>
+            <a:gs pos="100000">
+              <a:schemeClr val="phClr">
+                <a:shade val="63000"/>
+                <a:satMod val="120000"/>
+              </a:schemeClr>
+            </a:gs>
+          </a:gsLst>
+          <a:lin ang="5400000" scaled="0"/>
+        </a:gradFill>
+      </a:bgFillStyleLst>
+    </a:fmtScheme>
+  </a:themeElements>
+  <a:objectDefaults/>
+  <a:extraClrSchemeLst/>
+  <a:extLst>
+    <a:ext uri="{05A4C25C-085E-4340-85A3-A5531E510DB2}">
+      <thm15:themeFamily xmlns:thm15="http://schemas.microsoft.com/office/thememl/2012/main" name="Office Theme" id="{62F939B6-93AF-4DB8-9C6B-D6C7DFDC589F}" vid="{4A3C46E8-61CC-4603-A589-7422A47A8E4A}"/>
+    </a:ext>
+  </a:extLst>
+</a:theme>
 </file>